--- a/references_files/pptx/sigma.pptx
+++ b/references_files/pptx/sigma.pptx
@@ -244,7 +244,7 @@
           <a:p>
             <a:fld id="{B4F27D98-0BE6-459A-AC12-F79B83E7696D}" type="datetimeFigureOut">
               <a:rPr lang="he-IL" smtClean="0"/>
-              <a:t>כ"ז/כסלו/תשפ"ה</a:t>
+              <a:t>כ"ד/סיון/תשפ"ה</a:t>
             </a:fld>
             <a:endParaRPr lang="he-IL"/>
           </a:p>
@@ -414,7 +414,7 @@
           <a:p>
             <a:fld id="{B4F27D98-0BE6-459A-AC12-F79B83E7696D}" type="datetimeFigureOut">
               <a:rPr lang="he-IL" smtClean="0"/>
-              <a:t>כ"ז/כסלו/תשפ"ה</a:t>
+              <a:t>כ"ד/סיון/תשפ"ה</a:t>
             </a:fld>
             <a:endParaRPr lang="he-IL"/>
           </a:p>
@@ -594,7 +594,7 @@
           <a:p>
             <a:fld id="{B4F27D98-0BE6-459A-AC12-F79B83E7696D}" type="datetimeFigureOut">
               <a:rPr lang="he-IL" smtClean="0"/>
-              <a:t>כ"ז/כסלו/תשפ"ה</a:t>
+              <a:t>כ"ד/סיון/תשפ"ה</a:t>
             </a:fld>
             <a:endParaRPr lang="he-IL"/>
           </a:p>
@@ -764,7 +764,7 @@
           <a:p>
             <a:fld id="{B4F27D98-0BE6-459A-AC12-F79B83E7696D}" type="datetimeFigureOut">
               <a:rPr lang="he-IL" smtClean="0"/>
-              <a:t>כ"ז/כסלו/תשפ"ה</a:t>
+              <a:t>כ"ד/סיון/תשפ"ה</a:t>
             </a:fld>
             <a:endParaRPr lang="he-IL"/>
           </a:p>
@@ -1008,7 +1008,7 @@
           <a:p>
             <a:fld id="{B4F27D98-0BE6-459A-AC12-F79B83E7696D}" type="datetimeFigureOut">
               <a:rPr lang="he-IL" smtClean="0"/>
-              <a:t>כ"ז/כסלו/תשפ"ה</a:t>
+              <a:t>כ"ד/סיון/תשפ"ה</a:t>
             </a:fld>
             <a:endParaRPr lang="he-IL"/>
           </a:p>
@@ -1240,7 +1240,7 @@
           <a:p>
             <a:fld id="{B4F27D98-0BE6-459A-AC12-F79B83E7696D}" type="datetimeFigureOut">
               <a:rPr lang="he-IL" smtClean="0"/>
-              <a:t>כ"ז/כסלו/תשפ"ה</a:t>
+              <a:t>כ"ד/סיון/תשפ"ה</a:t>
             </a:fld>
             <a:endParaRPr lang="he-IL"/>
           </a:p>
@@ -1607,7 +1607,7 @@
           <a:p>
             <a:fld id="{B4F27D98-0BE6-459A-AC12-F79B83E7696D}" type="datetimeFigureOut">
               <a:rPr lang="he-IL" smtClean="0"/>
-              <a:t>כ"ז/כסלו/תשפ"ה</a:t>
+              <a:t>כ"ד/סיון/תשפ"ה</a:t>
             </a:fld>
             <a:endParaRPr lang="he-IL"/>
           </a:p>
@@ -1725,7 +1725,7 @@
           <a:p>
             <a:fld id="{B4F27D98-0BE6-459A-AC12-F79B83E7696D}" type="datetimeFigureOut">
               <a:rPr lang="he-IL" smtClean="0"/>
-              <a:t>כ"ז/כסלו/תשפ"ה</a:t>
+              <a:t>כ"ד/סיון/תשפ"ה</a:t>
             </a:fld>
             <a:endParaRPr lang="he-IL"/>
           </a:p>
@@ -1820,7 +1820,7 @@
           <a:p>
             <a:fld id="{B4F27D98-0BE6-459A-AC12-F79B83E7696D}" type="datetimeFigureOut">
               <a:rPr lang="he-IL" smtClean="0"/>
-              <a:t>כ"ז/כסלו/תשפ"ה</a:t>
+              <a:t>כ"ד/סיון/תשפ"ה</a:t>
             </a:fld>
             <a:endParaRPr lang="he-IL"/>
           </a:p>
@@ -2097,7 +2097,7 @@
           <a:p>
             <a:fld id="{B4F27D98-0BE6-459A-AC12-F79B83E7696D}" type="datetimeFigureOut">
               <a:rPr lang="he-IL" smtClean="0"/>
-              <a:t>כ"ז/כסלו/תשפ"ה</a:t>
+              <a:t>כ"ד/סיון/תשפ"ה</a:t>
             </a:fld>
             <a:endParaRPr lang="he-IL"/>
           </a:p>
@@ -2354,7 +2354,7 @@
           <a:p>
             <a:fld id="{B4F27D98-0BE6-459A-AC12-F79B83E7696D}" type="datetimeFigureOut">
               <a:rPr lang="he-IL" smtClean="0"/>
-              <a:t>כ"ז/כסלו/תשפ"ה</a:t>
+              <a:t>כ"ד/סיון/תשפ"ה</a:t>
             </a:fld>
             <a:endParaRPr lang="he-IL"/>
           </a:p>
@@ -2567,7 +2567,7 @@
           <a:p>
             <a:fld id="{B4F27D98-0BE6-459A-AC12-F79B83E7696D}" type="datetimeFigureOut">
               <a:rPr lang="he-IL" smtClean="0"/>
-              <a:t>כ"ז/כסלו/תשפ"ה</a:t>
+              <a:t>כ"ד/סיון/תשפ"ה</a:t>
             </a:fld>
             <a:endParaRPr lang="he-IL"/>
           </a:p>
@@ -3005,7 +3005,7 @@
             <a:r>
               <a:rPr lang="el-GR" sz="71400" b="0" i="0" dirty="0">
                 <a:solidFill>
-                  <a:srgbClr val="118191"/>
+                  <a:srgbClr val="0070E0"/>
                 </a:solidFill>
                 <a:effectLst>
                   <a:glow>
@@ -3019,7 +3019,7 @@
             </a:r>
             <a:endParaRPr lang="he-IL" sz="71400" dirty="0">
               <a:solidFill>
-                <a:srgbClr val="118191"/>
+                <a:srgbClr val="0070E0"/>
               </a:solidFill>
               <a:effectLst>
                 <a:glow>
